--- a/powerpoints/sentAnalysis_twitter.pptx
+++ b/powerpoints/sentAnalysis_twitter.pptx
@@ -5089,7 +5089,11 @@
           <a:bodyPr/>
           <a:lstStyle/>
           <a:p>
-            <a:endParaRPr lang="en-US"/>
+            <a:r>
+              <a:rPr lang="en-US" dirty="0" smtClean="0"/>
+              <a:t>Contact US!</a:t>
+            </a:r>
+            <a:endParaRPr lang="en-US" dirty="0"/>
           </a:p>
         </p:txBody>
       </p:sp>
